--- a/slides/05_publication-bias.pptx
+++ b/slides/05_publication-bias.pptx
@@ -5,7 +5,7 @@
     <p:sldMasterId id="2147483660" r:id="rId4"/>
   </p:sldMasterIdLst>
   <p:notesMasterIdLst>
-    <p:notesMasterId r:id="rId49"/>
+    <p:notesMasterId r:id="rId51"/>
   </p:notesMasterIdLst>
   <p:sldIdLst>
     <p:sldId id="663" r:id="rId5"/>
@@ -43,15 +43,17 @@
     <p:sldId id="727" r:id="rId37"/>
     <p:sldId id="724" r:id="rId38"/>
     <p:sldId id="718" r:id="rId39"/>
-    <p:sldId id="720" r:id="rId40"/>
-    <p:sldId id="719" r:id="rId41"/>
-    <p:sldId id="728" r:id="rId42"/>
-    <p:sldId id="729" r:id="rId43"/>
-    <p:sldId id="730" r:id="rId44"/>
-    <p:sldId id="731" r:id="rId45"/>
-    <p:sldId id="703" r:id="rId46"/>
-    <p:sldId id="705" r:id="rId47"/>
-    <p:sldId id="717" r:id="rId48"/>
+    <p:sldId id="732" r:id="rId40"/>
+    <p:sldId id="733" r:id="rId41"/>
+    <p:sldId id="720" r:id="rId42"/>
+    <p:sldId id="719" r:id="rId43"/>
+    <p:sldId id="728" r:id="rId44"/>
+    <p:sldId id="729" r:id="rId45"/>
+    <p:sldId id="730" r:id="rId46"/>
+    <p:sldId id="731" r:id="rId47"/>
+    <p:sldId id="703" r:id="rId48"/>
+    <p:sldId id="705" r:id="rId49"/>
+    <p:sldId id="717" r:id="rId50"/>
   </p:sldIdLst>
   <p:sldSz cx="12192000" cy="6858000"/>
   <p:notesSz cx="6858000" cy="9144000"/>
@@ -240,7 +242,7 @@
           <a:p>
             <a:fld id="{A5B9E9DD-BE87-46D0-98E6-18D835742F3D}" type="datetimeFigureOut">
               <a:rPr lang="en-US" smtClean="0"/>
-              <a:t>3/9/22</a:t>
+              <a:t>3/9/2022</a:t>
             </a:fld>
             <a:endParaRPr lang="en-US"/>
           </a:p>
@@ -4672,8 +4674,8 @@
           </a:p>
         </p:txBody>
       </p:sp>
-      <mc:AlternateContent xmlns:mc="http://schemas.openxmlformats.org/markup-compatibility/2006">
-        <mc:Choice xmlns:a14="http://schemas.microsoft.com/office/drawing/2010/main" Requires="a14">
+      <mc:AlternateContent xmlns:mc="http://schemas.openxmlformats.org/markup-compatibility/2006" xmlns:a14="http://schemas.microsoft.com/office/drawing/2010/main">
+        <mc:Choice Requires="a14">
           <p:sp>
             <p:nvSpPr>
               <p:cNvPr id="3" name="Content Placeholder 2">
@@ -5093,7 +5095,7 @@
             </p:txBody>
           </p:sp>
         </mc:Choice>
-        <mc:Fallback>
+        <mc:Fallback xmlns="">
           <p:sp>
             <p:nvSpPr>
               <p:cNvPr id="3" name="Content Placeholder 2">
@@ -5255,7 +5257,7 @@
           <a:p>
             <a:r>
               <a:rPr lang="en-US" dirty="0"/>
-              <a:t>PEESE (sei)</a:t>
+              <a:t>PEESE (vi)</a:t>
             </a:r>
           </a:p>
           <a:p>
@@ -6195,8 +6197,8 @@
           </a:p>
         </p:txBody>
       </p:sp>
-      <mc:AlternateContent xmlns:mc="http://schemas.openxmlformats.org/markup-compatibility/2006">
-        <mc:Choice xmlns:a14="http://schemas.microsoft.com/office/drawing/2010/main" Requires="a14">
+      <mc:AlternateContent xmlns:mc="http://schemas.openxmlformats.org/markup-compatibility/2006" xmlns:a14="http://schemas.microsoft.com/office/drawing/2010/main">
+        <mc:Choice Requires="a14">
           <p:sp>
             <p:nvSpPr>
               <p:cNvPr id="5" name="Content Placeholder 4">
@@ -6345,7 +6347,7 @@
             </p:txBody>
           </p:sp>
         </mc:Choice>
-        <mc:Fallback>
+        <mc:Fallback xmlns="">
           <p:sp>
             <p:nvSpPr>
               <p:cNvPr id="5" name="Content Placeholder 4">
@@ -6923,8 +6925,8 @@
           </a:p>
         </p:txBody>
       </p:sp>
-      <mc:AlternateContent xmlns:mc="http://schemas.openxmlformats.org/markup-compatibility/2006">
-        <mc:Choice xmlns:a14="http://schemas.microsoft.com/office/drawing/2010/main" Requires="a14">
+      <mc:AlternateContent xmlns:mc="http://schemas.openxmlformats.org/markup-compatibility/2006" xmlns:a14="http://schemas.microsoft.com/office/drawing/2010/main">
+        <mc:Choice Requires="a14">
           <p:sp>
             <p:nvSpPr>
               <p:cNvPr id="3" name="Content Placeholder 2">
@@ -7163,7 +7165,7 @@
             </p:txBody>
           </p:sp>
         </mc:Choice>
-        <mc:Fallback>
+        <mc:Fallback xmlns="">
           <p:sp>
             <p:nvSpPr>
               <p:cNvPr id="3" name="Content Placeholder 2">
@@ -7617,6 +7619,336 @@
           <p:cNvPr id="2" name="Title 1">
             <a:extLst>
               <a:ext uri="{FF2B5EF4-FFF2-40B4-BE49-F238E27FC236}">
+                <a16:creationId xmlns:a16="http://schemas.microsoft.com/office/drawing/2014/main" id="{ED69452A-5229-4C23-A7E1-84FD1F9B92DD}"/>
+              </a:ext>
+            </a:extLst>
+          </p:cNvPr>
+          <p:cNvSpPr>
+            <a:spLocks noGrp="1"/>
+          </p:cNvSpPr>
+          <p:nvPr>
+            <p:ph type="title"/>
+          </p:nvPr>
+        </p:nvSpPr>
+        <p:spPr/>
+        <p:txBody>
+          <a:bodyPr/>
+          <a:lstStyle/>
+          <a:p>
+            <a:r>
+              <a:rPr lang="en-US" dirty="0" err="1"/>
+              <a:t>Countour</a:t>
+            </a:r>
+            <a:r>
+              <a:rPr lang="en-US" dirty="0"/>
+              <a:t>-Enhanced Funnel Plot</a:t>
+            </a:r>
+          </a:p>
+        </p:txBody>
+      </p:sp>
+      <p:sp>
+        <p:nvSpPr>
+          <p:cNvPr id="3" name="Content Placeholder 2">
+            <a:extLst>
+              <a:ext uri="{FF2B5EF4-FFF2-40B4-BE49-F238E27FC236}">
+                <a16:creationId xmlns:a16="http://schemas.microsoft.com/office/drawing/2014/main" id="{477E9A6D-1100-4681-AE4F-8ACC92502702}"/>
+              </a:ext>
+            </a:extLst>
+          </p:cNvPr>
+          <p:cNvSpPr>
+            <a:spLocks noGrp="1"/>
+          </p:cNvSpPr>
+          <p:nvPr>
+            <p:ph sz="half" idx="1"/>
+          </p:nvPr>
+        </p:nvSpPr>
+        <p:spPr/>
+        <p:txBody>
+          <a:bodyPr/>
+          <a:lstStyle/>
+          <a:p>
+            <a:pPr marL="0" indent="0" algn="ctr">
+              <a:buNone/>
+            </a:pPr>
+            <a:r>
+              <a:rPr lang="en-US" dirty="0"/>
+              <a:t>FDA registered trials database</a:t>
+            </a:r>
+          </a:p>
+        </p:txBody>
+      </p:sp>
+      <p:sp>
+        <p:nvSpPr>
+          <p:cNvPr id="4" name="Content Placeholder 3">
+            <a:extLst>
+              <a:ext uri="{FF2B5EF4-FFF2-40B4-BE49-F238E27FC236}">
+                <a16:creationId xmlns:a16="http://schemas.microsoft.com/office/drawing/2014/main" id="{BDD7068D-7388-483F-9B03-B0C5469A993E}"/>
+              </a:ext>
+            </a:extLst>
+          </p:cNvPr>
+          <p:cNvSpPr>
+            <a:spLocks noGrp="1"/>
+          </p:cNvSpPr>
+          <p:nvPr>
+            <p:ph sz="half" idx="2"/>
+          </p:nvPr>
+        </p:nvSpPr>
+        <p:spPr/>
+        <p:txBody>
+          <a:bodyPr/>
+          <a:lstStyle/>
+          <a:p>
+            <a:pPr marL="0" indent="0" algn="ctr">
+              <a:buNone/>
+            </a:pPr>
+            <a:r>
+              <a:rPr lang="en-US" dirty="0"/>
+              <a:t>Published studies</a:t>
+            </a:r>
+          </a:p>
+        </p:txBody>
+      </p:sp>
+      <p:pic>
+        <p:nvPicPr>
+          <p:cNvPr id="1030" name="Picture 6">
+            <a:extLst>
+              <a:ext uri="{FF2B5EF4-FFF2-40B4-BE49-F238E27FC236}">
+                <a16:creationId xmlns:a16="http://schemas.microsoft.com/office/drawing/2014/main" id="{02742F13-8A10-495E-8AEF-32AE361D8134}"/>
+              </a:ext>
+            </a:extLst>
+          </p:cNvPr>
+          <p:cNvPicPr>
+            <a:picLocks noChangeAspect="1" noChangeArrowheads="1"/>
+          </p:cNvPicPr>
+          <p:nvPr/>
+        </p:nvPicPr>
+        <p:blipFill>
+          <a:blip r:embed="rId2">
+            <a:extLst>
+              <a:ext uri="{28A0092B-C50C-407E-A947-70E740481C1C}">
+                <a14:useLocalDpi xmlns:a14="http://schemas.microsoft.com/office/drawing/2010/main" val="0"/>
+              </a:ext>
+            </a:extLst>
+          </a:blip>
+          <a:srcRect/>
+          <a:stretch>
+            <a:fillRect/>
+          </a:stretch>
+        </p:blipFill>
+        <p:spPr bwMode="auto">
+          <a:xfrm>
+            <a:off x="1457661" y="1874738"/>
+            <a:ext cx="9276678" cy="4499430"/>
+          </a:xfrm>
+          <a:prstGeom prst="rect">
+            <a:avLst/>
+          </a:prstGeom>
+          <a:noFill/>
+          <a:extLst>
+            <a:ext uri="{909E8E84-426E-40DD-AFC4-6F175D3DCCD1}">
+              <a14:hiddenFill xmlns:a14="http://schemas.microsoft.com/office/drawing/2010/main">
+                <a:solidFill>
+                  <a:srgbClr val="FFFFFF"/>
+                </a:solidFill>
+              </a14:hiddenFill>
+            </a:ext>
+          </a:extLst>
+        </p:spPr>
+      </p:pic>
+    </p:spTree>
+    <p:extLst>
+      <p:ext uri="{BB962C8B-B14F-4D97-AF65-F5344CB8AC3E}">
+        <p14:creationId xmlns:p14="http://schemas.microsoft.com/office/powerpoint/2010/main" val="4073957084"/>
+      </p:ext>
+    </p:extLst>
+  </p:cSld>
+  <p:clrMapOvr>
+    <a:masterClrMapping/>
+  </p:clrMapOvr>
+</p:sld>
+</file>
+
+<file path=ppt/slides/slide37.xml><?xml version="1.0" encoding="utf-8"?>
+<p:sld xmlns:a="http://schemas.openxmlformats.org/drawingml/2006/main" xmlns:r="http://schemas.openxmlformats.org/officeDocument/2006/relationships" xmlns:p="http://schemas.openxmlformats.org/presentationml/2006/main">
+  <p:cSld>
+    <p:spTree>
+      <p:nvGrpSpPr>
+        <p:cNvPr id="1" name=""/>
+        <p:cNvGrpSpPr/>
+        <p:nvPr/>
+      </p:nvGrpSpPr>
+      <p:grpSpPr>
+        <a:xfrm>
+          <a:off x="0" y="0"/>
+          <a:ext cx="0" cy="0"/>
+          <a:chOff x="0" y="0"/>
+          <a:chExt cx="0" cy="0"/>
+        </a:xfrm>
+      </p:grpSpPr>
+      <p:sp>
+        <p:nvSpPr>
+          <p:cNvPr id="2" name="Title 1">
+            <a:extLst>
+              <a:ext uri="{FF2B5EF4-FFF2-40B4-BE49-F238E27FC236}">
+                <a16:creationId xmlns:a16="http://schemas.microsoft.com/office/drawing/2014/main" id="{ED69452A-5229-4C23-A7E1-84FD1F9B92DD}"/>
+              </a:ext>
+            </a:extLst>
+          </p:cNvPr>
+          <p:cNvSpPr>
+            <a:spLocks noGrp="1"/>
+          </p:cNvSpPr>
+          <p:nvPr>
+            <p:ph type="title"/>
+          </p:nvPr>
+        </p:nvSpPr>
+        <p:spPr/>
+        <p:txBody>
+          <a:bodyPr/>
+          <a:lstStyle/>
+          <a:p>
+            <a:r>
+              <a:rPr lang="en-US" dirty="0" err="1"/>
+              <a:t>Countour</a:t>
+            </a:r>
+            <a:r>
+              <a:rPr lang="en-US" dirty="0"/>
+              <a:t>-Enhanced Funnel Plot</a:t>
+            </a:r>
+          </a:p>
+        </p:txBody>
+      </p:sp>
+      <p:sp>
+        <p:nvSpPr>
+          <p:cNvPr id="3" name="Content Placeholder 2">
+            <a:extLst>
+              <a:ext uri="{FF2B5EF4-FFF2-40B4-BE49-F238E27FC236}">
+                <a16:creationId xmlns:a16="http://schemas.microsoft.com/office/drawing/2014/main" id="{477E9A6D-1100-4681-AE4F-8ACC92502702}"/>
+              </a:ext>
+            </a:extLst>
+          </p:cNvPr>
+          <p:cNvSpPr>
+            <a:spLocks noGrp="1"/>
+          </p:cNvSpPr>
+          <p:nvPr>
+            <p:ph sz="half" idx="1"/>
+          </p:nvPr>
+        </p:nvSpPr>
+        <p:spPr/>
+        <p:txBody>
+          <a:bodyPr/>
+          <a:lstStyle/>
+          <a:p>
+            <a:endParaRPr lang="en-US"/>
+          </a:p>
+        </p:txBody>
+      </p:sp>
+      <p:sp>
+        <p:nvSpPr>
+          <p:cNvPr id="4" name="Content Placeholder 3">
+            <a:extLst>
+              <a:ext uri="{FF2B5EF4-FFF2-40B4-BE49-F238E27FC236}">
+                <a16:creationId xmlns:a16="http://schemas.microsoft.com/office/drawing/2014/main" id="{BDD7068D-7388-483F-9B03-B0C5469A993E}"/>
+              </a:ext>
+            </a:extLst>
+          </p:cNvPr>
+          <p:cNvSpPr>
+            <a:spLocks noGrp="1"/>
+          </p:cNvSpPr>
+          <p:nvPr>
+            <p:ph sz="half" idx="2"/>
+          </p:nvPr>
+        </p:nvSpPr>
+        <p:spPr/>
+        <p:txBody>
+          <a:bodyPr/>
+          <a:lstStyle/>
+          <a:p>
+            <a:endParaRPr lang="en-US"/>
+          </a:p>
+        </p:txBody>
+      </p:sp>
+      <p:pic>
+        <p:nvPicPr>
+          <p:cNvPr id="1026" name="Picture 2" descr="Contour-enhanced funnel plot still suggests publication ...">
+            <a:extLst>
+              <a:ext uri="{FF2B5EF4-FFF2-40B4-BE49-F238E27FC236}">
+                <a16:creationId xmlns:a16="http://schemas.microsoft.com/office/drawing/2014/main" id="{D129E9F0-F744-498C-8D43-54C013C3CC79}"/>
+              </a:ext>
+            </a:extLst>
+          </p:cNvPr>
+          <p:cNvPicPr>
+            <a:picLocks noChangeAspect="1" noChangeArrowheads="1"/>
+          </p:cNvPicPr>
+          <p:nvPr/>
+        </p:nvPicPr>
+        <p:blipFill>
+          <a:blip r:embed="rId2">
+            <a:extLst>
+              <a:ext uri="{28A0092B-C50C-407E-A947-70E740481C1C}">
+                <a14:useLocalDpi xmlns:a14="http://schemas.microsoft.com/office/drawing/2010/main" val="0"/>
+              </a:ext>
+            </a:extLst>
+          </a:blip>
+          <a:srcRect/>
+          <a:stretch>
+            <a:fillRect/>
+          </a:stretch>
+        </p:blipFill>
+        <p:spPr bwMode="auto">
+          <a:xfrm>
+            <a:off x="6380181" y="1046181"/>
+            <a:ext cx="5811819" cy="5811819"/>
+          </a:xfrm>
+          <a:prstGeom prst="rect">
+            <a:avLst/>
+          </a:prstGeom>
+          <a:noFill/>
+          <a:extLst>
+            <a:ext uri="{909E8E84-426E-40DD-AFC4-6F175D3DCCD1}">
+              <a14:hiddenFill xmlns:a14="http://schemas.microsoft.com/office/drawing/2010/main">
+                <a:solidFill>
+                  <a:srgbClr val="FFFFFF"/>
+                </a:solidFill>
+              </a14:hiddenFill>
+            </a:ext>
+          </a:extLst>
+        </p:spPr>
+      </p:pic>
+    </p:spTree>
+    <p:extLst>
+      <p:ext uri="{BB962C8B-B14F-4D97-AF65-F5344CB8AC3E}">
+        <p14:creationId xmlns:p14="http://schemas.microsoft.com/office/powerpoint/2010/main" val="771597071"/>
+      </p:ext>
+    </p:extLst>
+  </p:cSld>
+  <p:clrMapOvr>
+    <a:masterClrMapping/>
+  </p:clrMapOvr>
+</p:sld>
+</file>
+
+<file path=ppt/slides/slide38.xml><?xml version="1.0" encoding="utf-8"?>
+<p:sld xmlns:a="http://schemas.openxmlformats.org/drawingml/2006/main" xmlns:r="http://schemas.openxmlformats.org/officeDocument/2006/relationships" xmlns:p="http://schemas.openxmlformats.org/presentationml/2006/main">
+  <p:cSld>
+    <p:spTree>
+      <p:nvGrpSpPr>
+        <p:cNvPr id="1" name=""/>
+        <p:cNvGrpSpPr/>
+        <p:nvPr/>
+      </p:nvGrpSpPr>
+      <p:grpSpPr>
+        <a:xfrm>
+          <a:off x="0" y="0"/>
+          <a:ext cx="0" cy="0"/>
+          <a:chOff x="0" y="0"/>
+          <a:chExt cx="0" cy="0"/>
+        </a:xfrm>
+      </p:grpSpPr>
+      <p:sp>
+        <p:nvSpPr>
+          <p:cNvPr id="2" name="Title 1">
+            <a:extLst>
+              <a:ext uri="{FF2B5EF4-FFF2-40B4-BE49-F238E27FC236}">
                 <a16:creationId xmlns:a16="http://schemas.microsoft.com/office/drawing/2014/main" id="{BDBF441C-6731-2244-8151-A5B33BCACDB1}"/>
               </a:ext>
             </a:extLst>
@@ -7776,7 +8108,7 @@
 </p:sld>
 </file>
 
-<file path=ppt/slides/slide37.xml><?xml version="1.0" encoding="utf-8"?>
+<file path=ppt/slides/slide39.xml><?xml version="1.0" encoding="utf-8"?>
 <p:sld xmlns:a="http://schemas.openxmlformats.org/drawingml/2006/main" xmlns:r="http://schemas.openxmlformats.org/officeDocument/2006/relationships" xmlns:p="http://schemas.openxmlformats.org/presentationml/2006/main">
   <p:cSld>
     <p:spTree>
@@ -7949,310 +8281,6 @@
 </p:sld>
 </file>
 
-<file path=ppt/slides/slide38.xml><?xml version="1.0" encoding="utf-8"?>
-<p:sld xmlns:a="http://schemas.openxmlformats.org/drawingml/2006/main" xmlns:r="http://schemas.openxmlformats.org/officeDocument/2006/relationships" xmlns:p="http://schemas.openxmlformats.org/presentationml/2006/main">
-  <p:cSld>
-    <p:spTree>
-      <p:nvGrpSpPr>
-        <p:cNvPr id="1" name=""/>
-        <p:cNvGrpSpPr/>
-        <p:nvPr/>
-      </p:nvGrpSpPr>
-      <p:grpSpPr>
-        <a:xfrm>
-          <a:off x="0" y="0"/>
-          <a:ext cx="0" cy="0"/>
-          <a:chOff x="0" y="0"/>
-          <a:chExt cx="0" cy="0"/>
-        </a:xfrm>
-      </p:grpSpPr>
-      <p:sp>
-        <p:nvSpPr>
-          <p:cNvPr id="2" name="Title 1">
-            <a:extLst>
-              <a:ext uri="{FF2B5EF4-FFF2-40B4-BE49-F238E27FC236}">
-                <a16:creationId xmlns:a16="http://schemas.microsoft.com/office/drawing/2014/main" id="{88346903-B2CD-2F49-BE2F-992CBB541B4C}"/>
-              </a:ext>
-            </a:extLst>
-          </p:cNvPr>
-          <p:cNvSpPr>
-            <a:spLocks noGrp="1"/>
-          </p:cNvSpPr>
-          <p:nvPr>
-            <p:ph type="title"/>
-          </p:nvPr>
-        </p:nvSpPr>
-        <p:spPr/>
-        <p:txBody>
-          <a:bodyPr/>
-          <a:lstStyle/>
-          <a:p>
-            <a:r>
-              <a:rPr lang="en-US" dirty="0"/>
-              <a:t>Modeling the publication process</a:t>
-            </a:r>
-          </a:p>
-        </p:txBody>
-      </p:sp>
-      <p:sp>
-        <p:nvSpPr>
-          <p:cNvPr id="3" name="Content Placeholder 2">
-            <a:extLst>
-              <a:ext uri="{FF2B5EF4-FFF2-40B4-BE49-F238E27FC236}">
-                <a16:creationId xmlns:a16="http://schemas.microsoft.com/office/drawing/2014/main" id="{B3A985D8-0B31-4042-8CA5-D743694645DC}"/>
-              </a:ext>
-            </a:extLst>
-          </p:cNvPr>
-          <p:cNvSpPr>
-            <a:spLocks noGrp="1"/>
-          </p:cNvSpPr>
-          <p:nvPr>
-            <p:ph idx="1"/>
-          </p:nvPr>
-        </p:nvSpPr>
-        <p:spPr/>
-        <p:txBody>
-          <a:bodyPr/>
-          <a:lstStyle/>
-          <a:p>
-            <a:r>
-              <a:rPr lang="en-US" dirty="0"/>
-              <a:t>Logic: Rather than heuristics like asymmetry or </a:t>
-            </a:r>
-            <a:r>
-              <a:rPr lang="en-US" i="1" dirty="0"/>
-              <a:t>p</a:t>
-            </a:r>
-            <a:r>
-              <a:rPr lang="en-US" dirty="0"/>
-              <a:t> distributions, let’s examine publication bias by actually modeling how we think the publication process works</a:t>
-            </a:r>
-          </a:p>
-          <a:p>
-            <a:endParaRPr lang="en-US" dirty="0"/>
-          </a:p>
-          <a:p>
-            <a:r>
-              <a:rPr lang="en-US" dirty="0"/>
-              <a:t>Examples: </a:t>
-            </a:r>
-          </a:p>
-          <a:p>
-            <a:pPr lvl="1"/>
-            <a:r>
-              <a:rPr lang="en-US" b="1" dirty="0"/>
-              <a:t>Selection model: </a:t>
-            </a:r>
-            <a:r>
-              <a:rPr lang="en-US" dirty="0"/>
-              <a:t>Let’s model whether a study was published or not based on its </a:t>
-            </a:r>
-            <a:r>
-              <a:rPr lang="en-US" i="1" dirty="0"/>
-              <a:t>p</a:t>
-            </a:r>
-            <a:r>
-              <a:rPr lang="en-US" dirty="0"/>
-              <a:t> value or other features (e.g., preregistered, topic)</a:t>
-            </a:r>
-          </a:p>
-          <a:p>
-            <a:pPr lvl="1"/>
-            <a:r>
-              <a:rPr lang="en-US" b="1" dirty="0"/>
-              <a:t>Agent based model: </a:t>
-            </a:r>
-            <a:r>
-              <a:rPr lang="en-US" dirty="0"/>
-              <a:t>Let’s simulate literatures with different processes and see which our data resemble</a:t>
-            </a:r>
-          </a:p>
-        </p:txBody>
-      </p:sp>
-    </p:spTree>
-    <p:extLst>
-      <p:ext uri="{BB962C8B-B14F-4D97-AF65-F5344CB8AC3E}">
-        <p14:creationId xmlns:p14="http://schemas.microsoft.com/office/powerpoint/2010/main" val="962899212"/>
-      </p:ext>
-    </p:extLst>
-  </p:cSld>
-  <p:clrMapOvr>
-    <a:masterClrMapping/>
-  </p:clrMapOvr>
-</p:sld>
-</file>
-
-<file path=ppt/slides/slide39.xml><?xml version="1.0" encoding="utf-8"?>
-<p:sld xmlns:a="http://schemas.openxmlformats.org/drawingml/2006/main" xmlns:r="http://schemas.openxmlformats.org/officeDocument/2006/relationships" xmlns:p="http://schemas.openxmlformats.org/presentationml/2006/main">
-  <p:cSld>
-    <p:spTree>
-      <p:nvGrpSpPr>
-        <p:cNvPr id="1" name=""/>
-        <p:cNvGrpSpPr/>
-        <p:nvPr/>
-      </p:nvGrpSpPr>
-      <p:grpSpPr>
-        <a:xfrm>
-          <a:off x="0" y="0"/>
-          <a:ext cx="0" cy="0"/>
-          <a:chOff x="0" y="0"/>
-          <a:chExt cx="0" cy="0"/>
-        </a:xfrm>
-      </p:grpSpPr>
-      <p:sp>
-        <p:nvSpPr>
-          <p:cNvPr id="2" name="Title 1">
-            <a:extLst>
-              <a:ext uri="{FF2B5EF4-FFF2-40B4-BE49-F238E27FC236}">
-                <a16:creationId xmlns:a16="http://schemas.microsoft.com/office/drawing/2014/main" id="{CC4D13C5-8095-6247-AB20-395625CEF1A6}"/>
-              </a:ext>
-            </a:extLst>
-          </p:cNvPr>
-          <p:cNvSpPr>
-            <a:spLocks noGrp="1"/>
-          </p:cNvSpPr>
-          <p:nvPr>
-            <p:ph type="title"/>
-          </p:nvPr>
-        </p:nvSpPr>
-        <p:spPr/>
-        <p:txBody>
-          <a:bodyPr/>
-          <a:lstStyle/>
-          <a:p>
-            <a:r>
-              <a:rPr lang="en-US" dirty="0"/>
-              <a:t>Selection model</a:t>
-            </a:r>
-          </a:p>
-        </p:txBody>
-      </p:sp>
-      <p:sp>
-        <p:nvSpPr>
-          <p:cNvPr id="3" name="Content Placeholder 2">
-            <a:extLst>
-              <a:ext uri="{FF2B5EF4-FFF2-40B4-BE49-F238E27FC236}">
-                <a16:creationId xmlns:a16="http://schemas.microsoft.com/office/drawing/2014/main" id="{741C9DAD-EE45-AF45-8444-162B6A542135}"/>
-              </a:ext>
-            </a:extLst>
-          </p:cNvPr>
-          <p:cNvSpPr>
-            <a:spLocks noGrp="1"/>
-          </p:cNvSpPr>
-          <p:nvPr>
-            <p:ph idx="1"/>
-          </p:nvPr>
-        </p:nvSpPr>
-        <p:spPr>
-          <a:xfrm>
-            <a:off x="838200" y="1317745"/>
-            <a:ext cx="10515600" cy="4708982"/>
-          </a:xfrm>
-        </p:spPr>
-        <p:txBody>
-          <a:bodyPr>
-            <a:normAutofit lnSpcReduction="10000"/>
-          </a:bodyPr>
-          <a:lstStyle/>
-          <a:p>
-            <a:r>
-              <a:rPr lang="en-US" dirty="0"/>
-              <a:t>Logic: Assume an inverse relationship between the </a:t>
-            </a:r>
-            <a:r>
-              <a:rPr lang="en-US" i="1" dirty="0"/>
-              <a:t>p</a:t>
-            </a:r>
-            <a:r>
-              <a:rPr lang="en-US" dirty="0"/>
-              <a:t> value against 0 and the probability of publication </a:t>
-            </a:r>
-          </a:p>
-          <a:p>
-            <a:pPr lvl="1"/>
-            <a:r>
-              <a:rPr lang="en-US" dirty="0"/>
-              <a:t>This induces bias in meta-analytic findings </a:t>
-            </a:r>
-          </a:p>
-          <a:p>
-            <a:endParaRPr lang="en-US" dirty="0"/>
-          </a:p>
-          <a:p>
-            <a:r>
-              <a:rPr lang="en-US" dirty="0"/>
-              <a:t>With enough studies, we can estimate this relationship and and remove the bias from the meta-analytic findings </a:t>
-            </a:r>
-          </a:p>
-          <a:p>
-            <a:pPr lvl="1"/>
-            <a:r>
-              <a:rPr lang="en-US" dirty="0"/>
-              <a:t>Difficult to use in practice (</a:t>
-            </a:r>
-            <a:r>
-              <a:rPr lang="en-US" i="1" dirty="0"/>
-              <a:t>k</a:t>
-            </a:r>
-            <a:r>
-              <a:rPr lang="en-US" dirty="0"/>
-              <a:t> must be large) </a:t>
-            </a:r>
-          </a:p>
-          <a:p>
-            <a:endParaRPr lang="en-US" dirty="0"/>
-          </a:p>
-          <a:p>
-            <a:r>
-              <a:rPr lang="en-US" dirty="0"/>
-              <a:t>Two flavors:</a:t>
-            </a:r>
-          </a:p>
-          <a:p>
-            <a:pPr lvl="1"/>
-            <a:r>
-              <a:rPr lang="en-US" dirty="0"/>
-              <a:t>Logistic regression — smaller </a:t>
-            </a:r>
-            <a:r>
-              <a:rPr lang="en-US" i="1" dirty="0"/>
-              <a:t>k okay</a:t>
-            </a:r>
-            <a:r>
-              <a:rPr lang="en-US" dirty="0"/>
-              <a:t>, but less connected with process</a:t>
-            </a:r>
-          </a:p>
-          <a:p>
-            <a:pPr lvl="1"/>
-            <a:r>
-              <a:rPr lang="en-US" dirty="0"/>
-              <a:t>Step function — more like real publication process, but need large </a:t>
-            </a:r>
-            <a:r>
-              <a:rPr lang="en-US" i="1" dirty="0"/>
-              <a:t>k</a:t>
-            </a:r>
-            <a:endParaRPr lang="en-US" dirty="0"/>
-          </a:p>
-          <a:p>
-            <a:endParaRPr lang="en-US" dirty="0"/>
-          </a:p>
-        </p:txBody>
-      </p:sp>
-    </p:spTree>
-    <p:extLst>
-      <p:ext uri="{BB962C8B-B14F-4D97-AF65-F5344CB8AC3E}">
-        <p14:creationId xmlns:p14="http://schemas.microsoft.com/office/powerpoint/2010/main" val="1346853854"/>
-      </p:ext>
-    </p:extLst>
-  </p:cSld>
-  <p:clrMapOvr>
-    <a:masterClrMapping/>
-  </p:clrMapOvr>
-</p:sld>
-</file>
-
 <file path=ppt/slides/slide4.xml><?xml version="1.0" encoding="utf-8"?>
 <p:sld xmlns:a="http://schemas.openxmlformats.org/drawingml/2006/main" xmlns:r="http://schemas.openxmlformats.org/officeDocument/2006/relationships" xmlns:p="http://schemas.openxmlformats.org/presentationml/2006/main">
   <p:cSld>
@@ -8383,6 +8411,310 @@
 </file>
 
 <file path=ppt/slides/slide40.xml><?xml version="1.0" encoding="utf-8"?>
+<p:sld xmlns:a="http://schemas.openxmlformats.org/drawingml/2006/main" xmlns:r="http://schemas.openxmlformats.org/officeDocument/2006/relationships" xmlns:p="http://schemas.openxmlformats.org/presentationml/2006/main">
+  <p:cSld>
+    <p:spTree>
+      <p:nvGrpSpPr>
+        <p:cNvPr id="1" name=""/>
+        <p:cNvGrpSpPr/>
+        <p:nvPr/>
+      </p:nvGrpSpPr>
+      <p:grpSpPr>
+        <a:xfrm>
+          <a:off x="0" y="0"/>
+          <a:ext cx="0" cy="0"/>
+          <a:chOff x="0" y="0"/>
+          <a:chExt cx="0" cy="0"/>
+        </a:xfrm>
+      </p:grpSpPr>
+      <p:sp>
+        <p:nvSpPr>
+          <p:cNvPr id="2" name="Title 1">
+            <a:extLst>
+              <a:ext uri="{FF2B5EF4-FFF2-40B4-BE49-F238E27FC236}">
+                <a16:creationId xmlns:a16="http://schemas.microsoft.com/office/drawing/2014/main" id="{88346903-B2CD-2F49-BE2F-992CBB541B4C}"/>
+              </a:ext>
+            </a:extLst>
+          </p:cNvPr>
+          <p:cNvSpPr>
+            <a:spLocks noGrp="1"/>
+          </p:cNvSpPr>
+          <p:nvPr>
+            <p:ph type="title"/>
+          </p:nvPr>
+        </p:nvSpPr>
+        <p:spPr/>
+        <p:txBody>
+          <a:bodyPr/>
+          <a:lstStyle/>
+          <a:p>
+            <a:r>
+              <a:rPr lang="en-US" dirty="0"/>
+              <a:t>Modeling the publication process</a:t>
+            </a:r>
+          </a:p>
+        </p:txBody>
+      </p:sp>
+      <p:sp>
+        <p:nvSpPr>
+          <p:cNvPr id="3" name="Content Placeholder 2">
+            <a:extLst>
+              <a:ext uri="{FF2B5EF4-FFF2-40B4-BE49-F238E27FC236}">
+                <a16:creationId xmlns:a16="http://schemas.microsoft.com/office/drawing/2014/main" id="{B3A985D8-0B31-4042-8CA5-D743694645DC}"/>
+              </a:ext>
+            </a:extLst>
+          </p:cNvPr>
+          <p:cNvSpPr>
+            <a:spLocks noGrp="1"/>
+          </p:cNvSpPr>
+          <p:nvPr>
+            <p:ph idx="1"/>
+          </p:nvPr>
+        </p:nvSpPr>
+        <p:spPr/>
+        <p:txBody>
+          <a:bodyPr/>
+          <a:lstStyle/>
+          <a:p>
+            <a:r>
+              <a:rPr lang="en-US" dirty="0"/>
+              <a:t>Logic: Rather than heuristics like asymmetry or </a:t>
+            </a:r>
+            <a:r>
+              <a:rPr lang="en-US" i="1" dirty="0"/>
+              <a:t>p</a:t>
+            </a:r>
+            <a:r>
+              <a:rPr lang="en-US" dirty="0"/>
+              <a:t> distributions, let’s examine publication bias by actually modeling how we think the publication process works</a:t>
+            </a:r>
+          </a:p>
+          <a:p>
+            <a:endParaRPr lang="en-US" dirty="0"/>
+          </a:p>
+          <a:p>
+            <a:r>
+              <a:rPr lang="en-US" dirty="0"/>
+              <a:t>Examples: </a:t>
+            </a:r>
+          </a:p>
+          <a:p>
+            <a:pPr lvl="1"/>
+            <a:r>
+              <a:rPr lang="en-US" b="1" dirty="0"/>
+              <a:t>Selection model: </a:t>
+            </a:r>
+            <a:r>
+              <a:rPr lang="en-US" dirty="0"/>
+              <a:t>Let’s model whether a study was published or not based on its </a:t>
+            </a:r>
+            <a:r>
+              <a:rPr lang="en-US" i="1" dirty="0"/>
+              <a:t>p</a:t>
+            </a:r>
+            <a:r>
+              <a:rPr lang="en-US" dirty="0"/>
+              <a:t> value or other features (e.g., preregistered, topic)</a:t>
+            </a:r>
+          </a:p>
+          <a:p>
+            <a:pPr lvl="1"/>
+            <a:r>
+              <a:rPr lang="en-US" b="1" dirty="0"/>
+              <a:t>Agent based model: </a:t>
+            </a:r>
+            <a:r>
+              <a:rPr lang="en-US" dirty="0"/>
+              <a:t>Let’s simulate literatures with different processes and see which our data resemble</a:t>
+            </a:r>
+          </a:p>
+        </p:txBody>
+      </p:sp>
+    </p:spTree>
+    <p:extLst>
+      <p:ext uri="{BB962C8B-B14F-4D97-AF65-F5344CB8AC3E}">
+        <p14:creationId xmlns:p14="http://schemas.microsoft.com/office/powerpoint/2010/main" val="962899212"/>
+      </p:ext>
+    </p:extLst>
+  </p:cSld>
+  <p:clrMapOvr>
+    <a:masterClrMapping/>
+  </p:clrMapOvr>
+</p:sld>
+</file>
+
+<file path=ppt/slides/slide41.xml><?xml version="1.0" encoding="utf-8"?>
+<p:sld xmlns:a="http://schemas.openxmlformats.org/drawingml/2006/main" xmlns:r="http://schemas.openxmlformats.org/officeDocument/2006/relationships" xmlns:p="http://schemas.openxmlformats.org/presentationml/2006/main">
+  <p:cSld>
+    <p:spTree>
+      <p:nvGrpSpPr>
+        <p:cNvPr id="1" name=""/>
+        <p:cNvGrpSpPr/>
+        <p:nvPr/>
+      </p:nvGrpSpPr>
+      <p:grpSpPr>
+        <a:xfrm>
+          <a:off x="0" y="0"/>
+          <a:ext cx="0" cy="0"/>
+          <a:chOff x="0" y="0"/>
+          <a:chExt cx="0" cy="0"/>
+        </a:xfrm>
+      </p:grpSpPr>
+      <p:sp>
+        <p:nvSpPr>
+          <p:cNvPr id="2" name="Title 1">
+            <a:extLst>
+              <a:ext uri="{FF2B5EF4-FFF2-40B4-BE49-F238E27FC236}">
+                <a16:creationId xmlns:a16="http://schemas.microsoft.com/office/drawing/2014/main" id="{CC4D13C5-8095-6247-AB20-395625CEF1A6}"/>
+              </a:ext>
+            </a:extLst>
+          </p:cNvPr>
+          <p:cNvSpPr>
+            <a:spLocks noGrp="1"/>
+          </p:cNvSpPr>
+          <p:nvPr>
+            <p:ph type="title"/>
+          </p:nvPr>
+        </p:nvSpPr>
+        <p:spPr/>
+        <p:txBody>
+          <a:bodyPr/>
+          <a:lstStyle/>
+          <a:p>
+            <a:r>
+              <a:rPr lang="en-US" dirty="0"/>
+              <a:t>Selection model</a:t>
+            </a:r>
+          </a:p>
+        </p:txBody>
+      </p:sp>
+      <p:sp>
+        <p:nvSpPr>
+          <p:cNvPr id="3" name="Content Placeholder 2">
+            <a:extLst>
+              <a:ext uri="{FF2B5EF4-FFF2-40B4-BE49-F238E27FC236}">
+                <a16:creationId xmlns:a16="http://schemas.microsoft.com/office/drawing/2014/main" id="{741C9DAD-EE45-AF45-8444-162B6A542135}"/>
+              </a:ext>
+            </a:extLst>
+          </p:cNvPr>
+          <p:cNvSpPr>
+            <a:spLocks noGrp="1"/>
+          </p:cNvSpPr>
+          <p:nvPr>
+            <p:ph idx="1"/>
+          </p:nvPr>
+        </p:nvSpPr>
+        <p:spPr>
+          <a:xfrm>
+            <a:off x="838200" y="1317745"/>
+            <a:ext cx="10515600" cy="4708982"/>
+          </a:xfrm>
+        </p:spPr>
+        <p:txBody>
+          <a:bodyPr>
+            <a:normAutofit lnSpcReduction="10000"/>
+          </a:bodyPr>
+          <a:lstStyle/>
+          <a:p>
+            <a:r>
+              <a:rPr lang="en-US" dirty="0"/>
+              <a:t>Logic: Assume an inverse relationship between the </a:t>
+            </a:r>
+            <a:r>
+              <a:rPr lang="en-US" i="1" dirty="0"/>
+              <a:t>p</a:t>
+            </a:r>
+            <a:r>
+              <a:rPr lang="en-US" dirty="0"/>
+              <a:t> value against 0 and the probability of publication </a:t>
+            </a:r>
+          </a:p>
+          <a:p>
+            <a:pPr lvl="1"/>
+            <a:r>
+              <a:rPr lang="en-US" dirty="0"/>
+              <a:t>This induces bias in meta-analytic findings </a:t>
+            </a:r>
+          </a:p>
+          <a:p>
+            <a:endParaRPr lang="en-US" dirty="0"/>
+          </a:p>
+          <a:p>
+            <a:r>
+              <a:rPr lang="en-US" dirty="0"/>
+              <a:t>With enough studies, we can estimate this relationship and and remove the bias from the meta-analytic findings </a:t>
+            </a:r>
+          </a:p>
+          <a:p>
+            <a:pPr lvl="1"/>
+            <a:r>
+              <a:rPr lang="en-US" dirty="0"/>
+              <a:t>Difficult to use in practice (</a:t>
+            </a:r>
+            <a:r>
+              <a:rPr lang="en-US" i="1" dirty="0"/>
+              <a:t>k</a:t>
+            </a:r>
+            <a:r>
+              <a:rPr lang="en-US" dirty="0"/>
+              <a:t> must be large) </a:t>
+            </a:r>
+          </a:p>
+          <a:p>
+            <a:endParaRPr lang="en-US" dirty="0"/>
+          </a:p>
+          <a:p>
+            <a:r>
+              <a:rPr lang="en-US" dirty="0"/>
+              <a:t>Two flavors:</a:t>
+            </a:r>
+          </a:p>
+          <a:p>
+            <a:pPr lvl="1"/>
+            <a:r>
+              <a:rPr lang="en-US" dirty="0"/>
+              <a:t>Logistic regression — smaller </a:t>
+            </a:r>
+            <a:r>
+              <a:rPr lang="en-US" i="1" dirty="0"/>
+              <a:t>k okay</a:t>
+            </a:r>
+            <a:r>
+              <a:rPr lang="en-US" dirty="0"/>
+              <a:t>, but less connected with process</a:t>
+            </a:r>
+          </a:p>
+          <a:p>
+            <a:pPr lvl="1"/>
+            <a:r>
+              <a:rPr lang="en-US" dirty="0"/>
+              <a:t>Step function — more like real publication process, but need large </a:t>
+            </a:r>
+            <a:r>
+              <a:rPr lang="en-US" i="1" dirty="0"/>
+              <a:t>k</a:t>
+            </a:r>
+            <a:endParaRPr lang="en-US" dirty="0"/>
+          </a:p>
+          <a:p>
+            <a:endParaRPr lang="en-US" dirty="0"/>
+          </a:p>
+        </p:txBody>
+      </p:sp>
+    </p:spTree>
+    <p:extLst>
+      <p:ext uri="{BB962C8B-B14F-4D97-AF65-F5344CB8AC3E}">
+        <p14:creationId xmlns:p14="http://schemas.microsoft.com/office/powerpoint/2010/main" val="1346853854"/>
+      </p:ext>
+    </p:extLst>
+  </p:cSld>
+  <p:clrMapOvr>
+    <a:masterClrMapping/>
+  </p:clrMapOvr>
+</p:sld>
+</file>
+
+<file path=ppt/slides/slide42.xml><?xml version="1.0" encoding="utf-8"?>
 <p:sld xmlns:a="http://schemas.openxmlformats.org/drawingml/2006/main" xmlns:r="http://schemas.openxmlformats.org/officeDocument/2006/relationships" xmlns:p="http://schemas.openxmlformats.org/presentationml/2006/main">
   <p:cSld>
     <p:spTree>
@@ -8484,7 +8816,7 @@
 </p:sld>
 </file>
 
-<file path=ppt/slides/slide41.xml><?xml version="1.0" encoding="utf-8"?>
+<file path=ppt/slides/slide43.xml><?xml version="1.0" encoding="utf-8"?>
 <p:sld xmlns:a="http://schemas.openxmlformats.org/drawingml/2006/main" xmlns:r="http://schemas.openxmlformats.org/officeDocument/2006/relationships" xmlns:p="http://schemas.openxmlformats.org/presentationml/2006/main">
   <p:cSld>
     <p:spTree>
@@ -8606,7 +8938,7 @@
 </p:sld>
 </file>
 
-<file path=ppt/slides/slide42.xml><?xml version="1.0" encoding="utf-8"?>
+<file path=ppt/slides/slide44.xml><?xml version="1.0" encoding="utf-8"?>
 <p:sld xmlns:a="http://schemas.openxmlformats.org/drawingml/2006/main" xmlns:r="http://schemas.openxmlformats.org/officeDocument/2006/relationships" xmlns:p="http://schemas.openxmlformats.org/presentationml/2006/main">
   <p:cSld>
     <p:spTree>
@@ -8766,7 +9098,7 @@
 </p:sld>
 </file>
 
-<file path=ppt/slides/slide43.xml><?xml version="1.0" encoding="utf-8"?>
+<file path=ppt/slides/slide45.xml><?xml version="1.0" encoding="utf-8"?>
 <p:sld xmlns:a="http://schemas.openxmlformats.org/drawingml/2006/main" xmlns:r="http://schemas.openxmlformats.org/officeDocument/2006/relationships" xmlns:p="http://schemas.openxmlformats.org/presentationml/2006/main">
   <p:cSld>
     <p:spTree>
@@ -8936,7 +9268,7 @@
 </p:sld>
 </file>
 
-<file path=ppt/slides/slide44.xml><?xml version="1.0" encoding="utf-8"?>
+<file path=ppt/slides/slide46.xml><?xml version="1.0" encoding="utf-8"?>
 <p:sld xmlns:a="http://schemas.openxmlformats.org/drawingml/2006/main" xmlns:r="http://schemas.openxmlformats.org/officeDocument/2006/relationships" xmlns:p="http://schemas.openxmlformats.org/presentationml/2006/main">
   <p:cSld>
     <p:spTree>
@@ -10217,6 +10549,12 @@
 </file>
 
 <file path=customXml/item1.xml><?xml version="1.0" encoding="utf-8"?>
+<p:properties xmlns:p="http://schemas.microsoft.com/office/2006/metadata/properties" xmlns:xsi="http://www.w3.org/2001/XMLSchema-instance" xmlns:pc="http://schemas.microsoft.com/office/infopath/2007/PartnerControls">
+  <documentManagement/>
+</p:properties>
+</file>
+
+<file path=customXml/item2.xml><?xml version="1.0" encoding="utf-8"?>
 <?mso-contentType ?>
 <FormTemplates xmlns="http://schemas.microsoft.com/sharepoint/v3/contenttype/forms">
   <Display>DocumentLibraryForm</Display>
@@ -10225,7 +10563,7 @@
 </FormTemplates>
 </file>
 
-<file path=customXml/item2.xml><?xml version="1.0" encoding="utf-8"?>
+<file path=customXml/item3.xml><?xml version="1.0" encoding="utf-8"?>
 <ct:contentTypeSchema xmlns:ct="http://schemas.microsoft.com/office/2006/metadata/contentType" xmlns:ma="http://schemas.microsoft.com/office/2006/metadata/properties/metaAttributes" ct:_="" ma:_="" ma:contentTypeName="Document" ma:contentTypeID="0x010100C510C8780454A64385BF21049B1850C5" ma:contentTypeVersion="7" ma:contentTypeDescription="Create a new document." ma:contentTypeScope="" ma:versionID="47a68a81adc4e0e7972bb95a1a99f0b4">
   <xsd:schema xmlns:xsd="http://www.w3.org/2001/XMLSchema" xmlns:xs="http://www.w3.org/2001/XMLSchema" xmlns:p="http://schemas.microsoft.com/office/2006/metadata/properties" xmlns:ns2="d0331357-42e6-4e40-bf0a-1c2f9464db1b" targetNamespace="http://schemas.microsoft.com/office/2006/metadata/properties" ma:root="true" ma:fieldsID="01ec8d09ee7b5b75bd0cb813fd513e00" ns2:_="">
     <xsd:import namespace="d0331357-42e6-4e40-bf0a-1c2f9464db1b"/>
@@ -10389,13 +10727,23 @@
 </ct:contentTypeSchema>
 </file>
 
-<file path=customXml/item3.xml><?xml version="1.0" encoding="utf-8"?>
-<p:properties xmlns:p="http://schemas.microsoft.com/office/2006/metadata/properties" xmlns:xsi="http://www.w3.org/2001/XMLSchema-instance" xmlns:pc="http://schemas.microsoft.com/office/infopath/2007/PartnerControls">
-  <documentManagement/>
-</p:properties>
+<file path=customXml/itemProps1.xml><?xml version="1.0" encoding="utf-8"?>
+<ds:datastoreItem xmlns:ds="http://schemas.openxmlformats.org/officeDocument/2006/customXml" ds:itemID="{11197415-BC9D-4352-8615-FFE6194E5163}">
+  <ds:schemaRefs>
+    <ds:schemaRef ds:uri="http://schemas.microsoft.com/office/2006/documentManagement/types"/>
+    <ds:schemaRef ds:uri="http://purl.org/dc/elements/1.1/"/>
+    <ds:schemaRef ds:uri="http://schemas.microsoft.com/office/2006/metadata/properties"/>
+    <ds:schemaRef ds:uri="d0331357-42e6-4e40-bf0a-1c2f9464db1b"/>
+    <ds:schemaRef ds:uri="http://www.w3.org/XML/1998/namespace"/>
+    <ds:schemaRef ds:uri="http://purl.org/dc/terms/"/>
+    <ds:schemaRef ds:uri="http://purl.org/dc/dcmitype/"/>
+    <ds:schemaRef ds:uri="http://schemas.microsoft.com/office/infopath/2007/PartnerControls"/>
+    <ds:schemaRef ds:uri="http://schemas.openxmlformats.org/package/2006/metadata/core-properties"/>
+  </ds:schemaRefs>
+</ds:datastoreItem>
 </file>
 
-<file path=customXml/itemProps1.xml><?xml version="1.0" encoding="utf-8"?>
+<file path=customXml/itemProps2.xml><?xml version="1.0" encoding="utf-8"?>
 <ds:datastoreItem xmlns:ds="http://schemas.openxmlformats.org/officeDocument/2006/customXml" ds:itemID="{65F011C9-6572-4E3B-BA4C-E687532965A9}">
   <ds:schemaRefs>
     <ds:schemaRef ds:uri="http://schemas.microsoft.com/sharepoint/v3/contenttype/forms"/>
@@ -10403,7 +10751,7 @@
 </ds:datastoreItem>
 </file>
 
-<file path=customXml/itemProps2.xml><?xml version="1.0" encoding="utf-8"?>
+<file path=customXml/itemProps3.xml><?xml version="1.0" encoding="utf-8"?>
 <ds:datastoreItem xmlns:ds="http://schemas.openxmlformats.org/officeDocument/2006/customXml" ds:itemID="{8E01F417-FF7B-490D-BC83-D2E21BA12BB0}">
   <ds:schemaRefs>
     <ds:schemaRef ds:uri="d0331357-42e6-4e40-bf0a-1c2f9464db1b"/>
@@ -10419,20 +10767,4 @@
     <ds:schemaRef ds:uri="http://www.w3.org/2001/XMLSchema"/>
   </ds:schemaRefs>
 </ds:datastoreItem>
-</file>
-
-<file path=customXml/itemProps3.xml><?xml version="1.0" encoding="utf-8"?>
-<ds:datastoreItem xmlns:ds="http://schemas.openxmlformats.org/officeDocument/2006/customXml" ds:itemID="{11197415-BC9D-4352-8615-FFE6194E5163}">
-  <ds:schemaRefs>
-    <ds:schemaRef ds:uri="http://schemas.microsoft.com/office/2006/documentManagement/types"/>
-    <ds:schemaRef ds:uri="http://purl.org/dc/elements/1.1/"/>
-    <ds:schemaRef ds:uri="http://schemas.microsoft.com/office/2006/metadata/properties"/>
-    <ds:schemaRef ds:uri="d0331357-42e6-4e40-bf0a-1c2f9464db1b"/>
-    <ds:schemaRef ds:uri="http://www.w3.org/XML/1998/namespace"/>
-    <ds:schemaRef ds:uri="http://purl.org/dc/terms/"/>
-    <ds:schemaRef ds:uri="http://purl.org/dc/dcmitype/"/>
-    <ds:schemaRef ds:uri="http://schemas.microsoft.com/office/infopath/2007/PartnerControls"/>
-    <ds:schemaRef ds:uri="http://schemas.openxmlformats.org/package/2006/metadata/core-properties"/>
-  </ds:schemaRefs>
-</ds:datastoreItem>
 </file>
--- a/slides/05_publication-bias.pptx
+++ b/slides/05_publication-bias.pptx
@@ -242,7 +242,7 @@
           <a:p>
             <a:fld id="{A5B9E9DD-BE87-46D0-98E6-18D835742F3D}" type="datetimeFigureOut">
               <a:rPr lang="en-US" smtClean="0"/>
-              <a:t>3/9/2022</a:t>
+              <a:t>3/5/23</a:t>
             </a:fld>
             <a:endParaRPr lang="en-US"/>
           </a:p>
@@ -7632,16 +7632,14 @@
         </p:nvSpPr>
         <p:spPr/>
         <p:txBody>
-          <a:bodyPr/>
+          <a:bodyPr>
+            <a:normAutofit/>
+          </a:bodyPr>
           <a:lstStyle/>
           <a:p>
             <a:r>
-              <a:rPr lang="en-US" dirty="0" err="1"/>
-              <a:t>Countour</a:t>
-            </a:r>
-            <a:r>
-              <a:rPr lang="en-US" dirty="0"/>
-              <a:t>-Enhanced Funnel Plot</a:t>
+              <a:rPr lang="en-US" dirty="0"/>
+              <a:t>Contour-Enhanced Funnel Plot</a:t>
             </a:r>
           </a:p>
         </p:txBody>
@@ -7807,12 +7805,8 @@
           <a:lstStyle/>
           <a:p>
             <a:r>
-              <a:rPr lang="en-US" dirty="0" err="1"/>
-              <a:t>Countour</a:t>
-            </a:r>
-            <a:r>
-              <a:rPr lang="en-US" dirty="0"/>
-              <a:t>-Enhanced Funnel Plot</a:t>
+              <a:rPr lang="en-US" dirty="0"/>
+              <a:t>Contour-Enhanced Funnel Plot</a:t>
             </a:r>
           </a:p>
         </p:txBody>
@@ -10549,12 +10543,6 @@
 </file>
 
 <file path=customXml/item1.xml><?xml version="1.0" encoding="utf-8"?>
-<p:properties xmlns:p="http://schemas.microsoft.com/office/2006/metadata/properties" xmlns:xsi="http://www.w3.org/2001/XMLSchema-instance" xmlns:pc="http://schemas.microsoft.com/office/infopath/2007/PartnerControls">
-  <documentManagement/>
-</p:properties>
-</file>
-
-<file path=customXml/item2.xml><?xml version="1.0" encoding="utf-8"?>
 <?mso-contentType ?>
 <FormTemplates xmlns="http://schemas.microsoft.com/sharepoint/v3/contenttype/forms">
   <Display>DocumentLibraryForm</Display>
@@ -10563,7 +10551,7 @@
 </FormTemplates>
 </file>
 
-<file path=customXml/item3.xml><?xml version="1.0" encoding="utf-8"?>
+<file path=customXml/item2.xml><?xml version="1.0" encoding="utf-8"?>
 <ct:contentTypeSchema xmlns:ct="http://schemas.microsoft.com/office/2006/metadata/contentType" xmlns:ma="http://schemas.microsoft.com/office/2006/metadata/properties/metaAttributes" ct:_="" ma:_="" ma:contentTypeName="Document" ma:contentTypeID="0x010100C510C8780454A64385BF21049B1850C5" ma:contentTypeVersion="7" ma:contentTypeDescription="Create a new document." ma:contentTypeScope="" ma:versionID="47a68a81adc4e0e7972bb95a1a99f0b4">
   <xsd:schema xmlns:xsd="http://www.w3.org/2001/XMLSchema" xmlns:xs="http://www.w3.org/2001/XMLSchema" xmlns:p="http://schemas.microsoft.com/office/2006/metadata/properties" xmlns:ns2="d0331357-42e6-4e40-bf0a-1c2f9464db1b" targetNamespace="http://schemas.microsoft.com/office/2006/metadata/properties" ma:root="true" ma:fieldsID="01ec8d09ee7b5b75bd0cb813fd513e00" ns2:_="">
     <xsd:import namespace="d0331357-42e6-4e40-bf0a-1c2f9464db1b"/>
@@ -10727,23 +10715,13 @@
 </ct:contentTypeSchema>
 </file>
 
-<file path=customXml/itemProps1.xml><?xml version="1.0" encoding="utf-8"?>
-<ds:datastoreItem xmlns:ds="http://schemas.openxmlformats.org/officeDocument/2006/customXml" ds:itemID="{11197415-BC9D-4352-8615-FFE6194E5163}">
-  <ds:schemaRefs>
-    <ds:schemaRef ds:uri="http://schemas.microsoft.com/office/2006/documentManagement/types"/>
-    <ds:schemaRef ds:uri="http://purl.org/dc/elements/1.1/"/>
-    <ds:schemaRef ds:uri="http://schemas.microsoft.com/office/2006/metadata/properties"/>
-    <ds:schemaRef ds:uri="d0331357-42e6-4e40-bf0a-1c2f9464db1b"/>
-    <ds:schemaRef ds:uri="http://www.w3.org/XML/1998/namespace"/>
-    <ds:schemaRef ds:uri="http://purl.org/dc/terms/"/>
-    <ds:schemaRef ds:uri="http://purl.org/dc/dcmitype/"/>
-    <ds:schemaRef ds:uri="http://schemas.microsoft.com/office/infopath/2007/PartnerControls"/>
-    <ds:schemaRef ds:uri="http://schemas.openxmlformats.org/package/2006/metadata/core-properties"/>
-  </ds:schemaRefs>
-</ds:datastoreItem>
+<file path=customXml/item3.xml><?xml version="1.0" encoding="utf-8"?>
+<p:properties xmlns:p="http://schemas.microsoft.com/office/2006/metadata/properties" xmlns:xsi="http://www.w3.org/2001/XMLSchema-instance" xmlns:pc="http://schemas.microsoft.com/office/infopath/2007/PartnerControls">
+  <documentManagement/>
+</p:properties>
 </file>
 
-<file path=customXml/itemProps2.xml><?xml version="1.0" encoding="utf-8"?>
+<file path=customXml/itemProps1.xml><?xml version="1.0" encoding="utf-8"?>
 <ds:datastoreItem xmlns:ds="http://schemas.openxmlformats.org/officeDocument/2006/customXml" ds:itemID="{65F011C9-6572-4E3B-BA4C-E687532965A9}">
   <ds:schemaRefs>
     <ds:schemaRef ds:uri="http://schemas.microsoft.com/sharepoint/v3/contenttype/forms"/>
@@ -10751,7 +10729,7 @@
 </ds:datastoreItem>
 </file>
 
-<file path=customXml/itemProps3.xml><?xml version="1.0" encoding="utf-8"?>
+<file path=customXml/itemProps2.xml><?xml version="1.0" encoding="utf-8"?>
 <ds:datastoreItem xmlns:ds="http://schemas.openxmlformats.org/officeDocument/2006/customXml" ds:itemID="{8E01F417-FF7B-490D-BC83-D2E21BA12BB0}">
   <ds:schemaRefs>
     <ds:schemaRef ds:uri="d0331357-42e6-4e40-bf0a-1c2f9464db1b"/>
@@ -10767,4 +10745,20 @@
     <ds:schemaRef ds:uri="http://www.w3.org/2001/XMLSchema"/>
   </ds:schemaRefs>
 </ds:datastoreItem>
+</file>
+
+<file path=customXml/itemProps3.xml><?xml version="1.0" encoding="utf-8"?>
+<ds:datastoreItem xmlns:ds="http://schemas.openxmlformats.org/officeDocument/2006/customXml" ds:itemID="{11197415-BC9D-4352-8615-FFE6194E5163}">
+  <ds:schemaRefs>
+    <ds:schemaRef ds:uri="http://schemas.microsoft.com/office/2006/documentManagement/types"/>
+    <ds:schemaRef ds:uri="http://purl.org/dc/elements/1.1/"/>
+    <ds:schemaRef ds:uri="http://schemas.microsoft.com/office/2006/metadata/properties"/>
+    <ds:schemaRef ds:uri="d0331357-42e6-4e40-bf0a-1c2f9464db1b"/>
+    <ds:schemaRef ds:uri="http://www.w3.org/XML/1998/namespace"/>
+    <ds:schemaRef ds:uri="http://purl.org/dc/terms/"/>
+    <ds:schemaRef ds:uri="http://purl.org/dc/dcmitype/"/>
+    <ds:schemaRef ds:uri="http://schemas.microsoft.com/office/infopath/2007/PartnerControls"/>
+    <ds:schemaRef ds:uri="http://schemas.openxmlformats.org/package/2006/metadata/core-properties"/>
+  </ds:schemaRefs>
+</ds:datastoreItem>
 </file>